--- a/doc/talks/2024-simep/img/diagram.pptx
+++ b/doc/talks/2024-simep/img/diagram.pptx
@@ -6,6 +6,7 @@
   </p:sldMasterIdLst>
   <p:sldIdLst>
     <p:sldId id="256" r:id="rId2"/>
+    <p:sldId id="257" r:id="rId3"/>
   </p:sldIdLst>
   <p:sldSz cx="12192000" cy="6858000"/>
   <p:notesSz cx="6858000" cy="9144000"/>
@@ -104,6 +105,11 @@
       </a:defRPr>
     </a:lvl9pPr>
   </p:defaultTextStyle>
+  <p:extLst>
+    <p:ext uri="{EFAFB233-063F-42B5-8137-9DF3F51BA10A}">
+      <p15:sldGuideLst xmlns:p15="http://schemas.microsoft.com/office/powerpoint/2012/main"/>
+    </p:ext>
+  </p:extLst>
 </p:presentation>
 </file>
 
@@ -256,7 +262,7 @@
           <a:p>
             <a:fld id="{BA9A846D-2588-49B8-9C92-41FE75F0A136}" type="datetimeFigureOut">
               <a:rPr lang="fr-FR" smtClean="0"/>
-              <a:t>27/03/2024</a:t>
+              <a:t>31/03/2024</a:t>
             </a:fld>
             <a:endParaRPr lang="fr-FR"/>
           </a:p>
@@ -456,7 +462,7 @@
           <a:p>
             <a:fld id="{BA9A846D-2588-49B8-9C92-41FE75F0A136}" type="datetimeFigureOut">
               <a:rPr lang="fr-FR" smtClean="0"/>
-              <a:t>27/03/2024</a:t>
+              <a:t>31/03/2024</a:t>
             </a:fld>
             <a:endParaRPr lang="fr-FR"/>
           </a:p>
@@ -666,7 +672,7 @@
           <a:p>
             <a:fld id="{BA9A846D-2588-49B8-9C92-41FE75F0A136}" type="datetimeFigureOut">
               <a:rPr lang="fr-FR" smtClean="0"/>
-              <a:t>27/03/2024</a:t>
+              <a:t>31/03/2024</a:t>
             </a:fld>
             <a:endParaRPr lang="fr-FR"/>
           </a:p>
@@ -866,7 +872,7 @@
           <a:p>
             <a:fld id="{BA9A846D-2588-49B8-9C92-41FE75F0A136}" type="datetimeFigureOut">
               <a:rPr lang="fr-FR" smtClean="0"/>
-              <a:t>27/03/2024</a:t>
+              <a:t>31/03/2024</a:t>
             </a:fld>
             <a:endParaRPr lang="fr-FR"/>
           </a:p>
@@ -1142,7 +1148,7 @@
           <a:p>
             <a:fld id="{BA9A846D-2588-49B8-9C92-41FE75F0A136}" type="datetimeFigureOut">
               <a:rPr lang="fr-FR" smtClean="0"/>
-              <a:t>27/03/2024</a:t>
+              <a:t>31/03/2024</a:t>
             </a:fld>
             <a:endParaRPr lang="fr-FR"/>
           </a:p>
@@ -1410,7 +1416,7 @@
           <a:p>
             <a:fld id="{BA9A846D-2588-49B8-9C92-41FE75F0A136}" type="datetimeFigureOut">
               <a:rPr lang="fr-FR" smtClean="0"/>
-              <a:t>27/03/2024</a:t>
+              <a:t>31/03/2024</a:t>
             </a:fld>
             <a:endParaRPr lang="fr-FR"/>
           </a:p>
@@ -1825,7 +1831,7 @@
           <a:p>
             <a:fld id="{BA9A846D-2588-49B8-9C92-41FE75F0A136}" type="datetimeFigureOut">
               <a:rPr lang="fr-FR" smtClean="0"/>
-              <a:t>27/03/2024</a:t>
+              <a:t>31/03/2024</a:t>
             </a:fld>
             <a:endParaRPr lang="fr-FR"/>
           </a:p>
@@ -1967,7 +1973,7 @@
           <a:p>
             <a:fld id="{BA9A846D-2588-49B8-9C92-41FE75F0A136}" type="datetimeFigureOut">
               <a:rPr lang="fr-FR" smtClean="0"/>
-              <a:t>27/03/2024</a:t>
+              <a:t>31/03/2024</a:t>
             </a:fld>
             <a:endParaRPr lang="fr-FR"/>
           </a:p>
@@ -2080,7 +2086,7 @@
           <a:p>
             <a:fld id="{BA9A846D-2588-49B8-9C92-41FE75F0A136}" type="datetimeFigureOut">
               <a:rPr lang="fr-FR" smtClean="0"/>
-              <a:t>27/03/2024</a:t>
+              <a:t>31/03/2024</a:t>
             </a:fld>
             <a:endParaRPr lang="fr-FR"/>
           </a:p>
@@ -2393,7 +2399,7 @@
           <a:p>
             <a:fld id="{BA9A846D-2588-49B8-9C92-41FE75F0A136}" type="datetimeFigureOut">
               <a:rPr lang="fr-FR" smtClean="0"/>
-              <a:t>27/03/2024</a:t>
+              <a:t>31/03/2024</a:t>
             </a:fld>
             <a:endParaRPr lang="fr-FR"/>
           </a:p>
@@ -2682,7 +2688,7 @@
           <a:p>
             <a:fld id="{BA9A846D-2588-49B8-9C92-41FE75F0A136}" type="datetimeFigureOut">
               <a:rPr lang="fr-FR" smtClean="0"/>
-              <a:t>27/03/2024</a:t>
+              <a:t>31/03/2024</a:t>
             </a:fld>
             <a:endParaRPr lang="fr-FR"/>
           </a:p>
@@ -2925,7 +2931,7 @@
           <a:p>
             <a:fld id="{BA9A846D-2588-49B8-9C92-41FE75F0A136}" type="datetimeFigureOut">
               <a:rPr lang="fr-FR" smtClean="0"/>
-              <a:t>27/03/2024</a:t>
+              <a:t>31/03/2024</a:t>
             </a:fld>
             <a:endParaRPr lang="fr-FR"/>
           </a:p>
@@ -4673,6 +4679,166 @@
     <p:extLst>
       <p:ext uri="{BB962C8B-B14F-4D97-AF65-F5344CB8AC3E}">
         <p14:creationId xmlns:p14="http://schemas.microsoft.com/office/powerpoint/2010/main" val="3878705017"/>
+      </p:ext>
+    </p:extLst>
+  </p:cSld>
+  <p:clrMapOvr>
+    <a:masterClrMapping/>
+  </p:clrMapOvr>
+</p:sld>
+</file>
+
+<file path=ppt/slides/slide2.xml><?xml version="1.0" encoding="utf-8"?>
+<p:sld xmlns:a="http://schemas.openxmlformats.org/drawingml/2006/main" xmlns:r="http://schemas.openxmlformats.org/officeDocument/2006/relationships" xmlns:p="http://schemas.openxmlformats.org/presentationml/2006/main">
+  <p:cSld>
+    <p:spTree>
+      <p:nvGrpSpPr>
+        <p:cNvPr id="1" name=""/>
+        <p:cNvGrpSpPr/>
+        <p:nvPr/>
+      </p:nvGrpSpPr>
+      <p:grpSpPr>
+        <a:xfrm>
+          <a:off x="0" y="0"/>
+          <a:ext cx="0" cy="0"/>
+          <a:chOff x="0" y="0"/>
+          <a:chExt cx="0" cy="0"/>
+        </a:xfrm>
+      </p:grpSpPr>
+      <p:pic>
+        <p:nvPicPr>
+          <p:cNvPr id="5" name="Picture 4" descr="A graph of blue and white lines&#10;&#10;Description automatically generated with medium confidence">
+            <a:extLst>
+              <a:ext uri="{FF2B5EF4-FFF2-40B4-BE49-F238E27FC236}">
+                <a16:creationId xmlns:a16="http://schemas.microsoft.com/office/drawing/2014/main" id="{EE3E3A0E-BA0D-BBDE-6314-1B4D9C51C4F5}"/>
+              </a:ext>
+            </a:extLst>
+          </p:cNvPr>
+          <p:cNvPicPr>
+            <a:picLocks noChangeAspect="1"/>
+          </p:cNvPicPr>
+          <p:nvPr/>
+        </p:nvPicPr>
+        <p:blipFill rotWithShape="1">
+          <a:blip r:embed="rId2">
+            <a:extLst>
+              <a:ext uri="{28A0092B-C50C-407E-A947-70E740481C1C}">
+                <a14:useLocalDpi xmlns:a14="http://schemas.microsoft.com/office/drawing/2010/main" val="0"/>
+              </a:ext>
+            </a:extLst>
+          </a:blip>
+          <a:srcRect l="7260" t="15161"/>
+          <a:stretch/>
+        </p:blipFill>
+        <p:spPr>
+          <a:xfrm>
+            <a:off x="13548" y="0"/>
+            <a:ext cx="4672594" cy="3359066"/>
+          </a:xfrm>
+          <a:prstGeom prst="rect">
+            <a:avLst/>
+          </a:prstGeom>
+        </p:spPr>
+      </p:pic>
+      <p:pic>
+        <p:nvPicPr>
+          <p:cNvPr id="7" name="Picture 6" descr="A graph of different colored lines&#10;&#10;Description automatically generated with medium confidence">
+            <a:extLst>
+              <a:ext uri="{FF2B5EF4-FFF2-40B4-BE49-F238E27FC236}">
+                <a16:creationId xmlns:a16="http://schemas.microsoft.com/office/drawing/2014/main" id="{DE9C224D-9A14-3FE9-2301-05A37E438EBE}"/>
+              </a:ext>
+            </a:extLst>
+          </p:cNvPr>
+          <p:cNvPicPr>
+            <a:picLocks noChangeAspect="1"/>
+          </p:cNvPicPr>
+          <p:nvPr/>
+        </p:nvPicPr>
+        <p:blipFill rotWithShape="1">
+          <a:blip r:embed="rId3">
+            <a:extLst>
+              <a:ext uri="{28A0092B-C50C-407E-A947-70E740481C1C}">
+                <a14:useLocalDpi xmlns:a14="http://schemas.microsoft.com/office/drawing/2010/main" val="0"/>
+              </a:ext>
+            </a:extLst>
+          </a:blip>
+          <a:srcRect l="7260" t="16773" b="3849"/>
+          <a:stretch/>
+        </p:blipFill>
+        <p:spPr>
+          <a:xfrm>
+            <a:off x="-2" y="3766028"/>
+            <a:ext cx="4672595" cy="3142827"/>
+          </a:xfrm>
+          <a:prstGeom prst="rect">
+            <a:avLst/>
+          </a:prstGeom>
+        </p:spPr>
+      </p:pic>
+      <p:pic>
+        <p:nvPicPr>
+          <p:cNvPr id="10" name="Picture 9">
+            <a:extLst>
+              <a:ext uri="{FF2B5EF4-FFF2-40B4-BE49-F238E27FC236}">
+                <a16:creationId xmlns:a16="http://schemas.microsoft.com/office/drawing/2014/main" id="{F8253F23-C739-5938-06CE-6C78823D2CC5}"/>
+              </a:ext>
+            </a:extLst>
+          </p:cNvPr>
+          <p:cNvPicPr>
+            <a:picLocks noChangeAspect="1"/>
+          </p:cNvPicPr>
+          <p:nvPr/>
+        </p:nvPicPr>
+        <p:blipFill>
+          <a:blip r:embed="rId4"/>
+          <a:stretch>
+            <a:fillRect/>
+          </a:stretch>
+        </p:blipFill>
+        <p:spPr>
+          <a:xfrm>
+            <a:off x="3889438" y="4801764"/>
+            <a:ext cx="1813709" cy="535677"/>
+          </a:xfrm>
+          <a:prstGeom prst="rect">
+            <a:avLst/>
+          </a:prstGeom>
+        </p:spPr>
+      </p:pic>
+      <p:pic>
+        <p:nvPicPr>
+          <p:cNvPr id="12" name="Picture 11">
+            <a:extLst>
+              <a:ext uri="{FF2B5EF4-FFF2-40B4-BE49-F238E27FC236}">
+                <a16:creationId xmlns:a16="http://schemas.microsoft.com/office/drawing/2014/main" id="{ED55420C-509C-5EFE-A194-CB25212A97FA}"/>
+              </a:ext>
+            </a:extLst>
+          </p:cNvPr>
+          <p:cNvPicPr>
+            <a:picLocks noChangeAspect="1"/>
+          </p:cNvPicPr>
+          <p:nvPr/>
+        </p:nvPicPr>
+        <p:blipFill>
+          <a:blip r:embed="rId5"/>
+          <a:stretch>
+            <a:fillRect/>
+          </a:stretch>
+        </p:blipFill>
+        <p:spPr>
+          <a:xfrm>
+            <a:off x="2612635" y="3054321"/>
+            <a:ext cx="396196" cy="1030109"/>
+          </a:xfrm>
+          <a:prstGeom prst="rect">
+            <a:avLst/>
+          </a:prstGeom>
+        </p:spPr>
+      </p:pic>
+    </p:spTree>
+    <p:extLst>
+      <p:ext uri="{BB962C8B-B14F-4D97-AF65-F5344CB8AC3E}">
+        <p14:creationId xmlns:p14="http://schemas.microsoft.com/office/powerpoint/2010/main" val="393285797"/>
       </p:ext>
     </p:extLst>
   </p:cSld>
